--- a/docs/diagrams/LogicComponentSequenceDiagram.pptx
+++ b/docs/diagrams/LogicComponentSequenceDiagram.pptx
@@ -126,10 +126,6 @@
 </p:presentation>
 </file>
 
-<file path=ppt/revisionInfo.xml><?xml version="1.0" encoding="utf-8"?>
-<p1510:revInfo xmlns:a="http://schemas.openxmlformats.org/drawingml/2006/main" xmlns:r="http://schemas.openxmlformats.org/officeDocument/2006/relationships" xmlns:p1510="http://schemas.microsoft.com/office/powerpoint/2015/10/main"/>
-</file>
-
 <file path=ppt/notesMasters/notesMaster1.xml><?xml version="1.0" encoding="utf-8"?>
 <p:notesMaster xmlns:a="http://schemas.openxmlformats.org/drawingml/2006/main" xmlns:r="http://schemas.openxmlformats.org/officeDocument/2006/relationships" xmlns:p="http://schemas.openxmlformats.org/presentationml/2006/main">
   <p:cSld>
@@ -212,7 +208,7 @@
           <a:p>
             <a:fld id="{F5CC4B3F-88C1-4FFA-B1B6-F41C21DC6924}" type="datetimeFigureOut">
               <a:rPr lang="en-US" smtClean="0"/>
-              <a:t>7/11/2017</a:t>
+              <a:t>10/24/2018</a:t>
             </a:fld>
             <a:endParaRPr lang="en-US"/>
           </a:p>
@@ -658,7 +654,7 @@
           <a:p>
             <a:fld id="{78C97017-6FC3-485B-9764-EAC9E56C1D49}" type="datetimeFigureOut">
               <a:rPr lang="en-US" smtClean="0"/>
-              <a:t>7/11/2017</a:t>
+              <a:t>10/24/2018</a:t>
             </a:fld>
             <a:endParaRPr lang="en-US"/>
           </a:p>
@@ -826,7 +822,7 @@
           <a:p>
             <a:fld id="{78C97017-6FC3-485B-9764-EAC9E56C1D49}" type="datetimeFigureOut">
               <a:rPr lang="en-US" smtClean="0"/>
-              <a:t>7/11/2017</a:t>
+              <a:t>10/24/2018</a:t>
             </a:fld>
             <a:endParaRPr lang="en-US"/>
           </a:p>
@@ -1004,7 +1000,7 @@
           <a:p>
             <a:fld id="{78C97017-6FC3-485B-9764-EAC9E56C1D49}" type="datetimeFigureOut">
               <a:rPr lang="en-US" smtClean="0"/>
-              <a:t>7/11/2017</a:t>
+              <a:t>10/24/2018</a:t>
             </a:fld>
             <a:endParaRPr lang="en-US"/>
           </a:p>
@@ -1172,7 +1168,7 @@
           <a:p>
             <a:fld id="{78C97017-6FC3-485B-9764-EAC9E56C1D49}" type="datetimeFigureOut">
               <a:rPr lang="en-US" smtClean="0"/>
-              <a:t>7/11/2017</a:t>
+              <a:t>10/24/2018</a:t>
             </a:fld>
             <a:endParaRPr lang="en-US"/>
           </a:p>
@@ -1417,7 +1413,7 @@
           <a:p>
             <a:fld id="{78C97017-6FC3-485B-9764-EAC9E56C1D49}" type="datetimeFigureOut">
               <a:rPr lang="en-US" smtClean="0"/>
-              <a:t>7/11/2017</a:t>
+              <a:t>10/24/2018</a:t>
             </a:fld>
             <a:endParaRPr lang="en-US"/>
           </a:p>
@@ -1702,7 +1698,7 @@
           <a:p>
             <a:fld id="{78C97017-6FC3-485B-9764-EAC9E56C1D49}" type="datetimeFigureOut">
               <a:rPr lang="en-US" smtClean="0"/>
-              <a:t>7/11/2017</a:t>
+              <a:t>10/24/2018</a:t>
             </a:fld>
             <a:endParaRPr lang="en-US"/>
           </a:p>
@@ -2121,7 +2117,7 @@
           <a:p>
             <a:fld id="{78C97017-6FC3-485B-9764-EAC9E56C1D49}" type="datetimeFigureOut">
               <a:rPr lang="en-US" smtClean="0"/>
-              <a:t>7/11/2017</a:t>
+              <a:t>10/24/2018</a:t>
             </a:fld>
             <a:endParaRPr lang="en-US"/>
           </a:p>
@@ -2238,7 +2234,7 @@
           <a:p>
             <a:fld id="{78C97017-6FC3-485B-9764-EAC9E56C1D49}" type="datetimeFigureOut">
               <a:rPr lang="en-US" smtClean="0"/>
-              <a:t>7/11/2017</a:t>
+              <a:t>10/24/2018</a:t>
             </a:fld>
             <a:endParaRPr lang="en-US"/>
           </a:p>
@@ -2333,7 +2329,7 @@
           <a:p>
             <a:fld id="{78C97017-6FC3-485B-9764-EAC9E56C1D49}" type="datetimeFigureOut">
               <a:rPr lang="en-US" smtClean="0"/>
-              <a:t>7/11/2017</a:t>
+              <a:t>10/24/2018</a:t>
             </a:fld>
             <a:endParaRPr lang="en-US"/>
           </a:p>
@@ -2608,7 +2604,7 @@
           <a:p>
             <a:fld id="{78C97017-6FC3-485B-9764-EAC9E56C1D49}" type="datetimeFigureOut">
               <a:rPr lang="en-US" smtClean="0"/>
-              <a:t>7/11/2017</a:t>
+              <a:t>10/24/2018</a:t>
             </a:fld>
             <a:endParaRPr lang="en-US"/>
           </a:p>
@@ -2860,7 +2856,7 @@
           <a:p>
             <a:fld id="{78C97017-6FC3-485B-9764-EAC9E56C1D49}" type="datetimeFigureOut">
               <a:rPr lang="en-US" smtClean="0"/>
-              <a:t>7/11/2017</a:t>
+              <a:t>10/24/2018</a:t>
             </a:fld>
             <a:endParaRPr lang="en-US"/>
           </a:p>
@@ -3071,7 +3067,7 @@
           <a:p>
             <a:fld id="{78C97017-6FC3-485B-9764-EAC9E56C1D49}" type="datetimeFigureOut">
               <a:rPr lang="en-US" smtClean="0"/>
-              <a:t>7/11/2017</a:t>
+              <a:t>10/24/2018</a:t>
             </a:fld>
             <a:endParaRPr lang="en-US"/>
           </a:p>
@@ -3707,7 +3703,7 @@
                   <a:schemeClr val="bg1"/>
                 </a:solidFill>
               </a:rPr>
-              <a:t>:Address</a:t>
+              <a:t>:Restaurant</a:t>
             </a:r>
           </a:p>
           <a:p>
@@ -3860,12 +3856,12 @@
           <a:p>
             <a:pPr algn="ctr"/>
             <a:r>
-              <a:rPr lang="en-US" sz="1600" dirty="0">
+              <a:rPr lang="en-US" sz="1600" dirty="0" err="1">
                 <a:solidFill>
                   <a:schemeClr val="bg1"/>
                 </a:solidFill>
               </a:rPr>
-              <a:t>d:Delete</a:t>
+              <a:t>rc:Register</a:t>
             </a:r>
             <a:br>
               <a:rPr lang="en-US" sz="1600" dirty="0">
@@ -4056,8 +4052,8 @@
         </p:nvSpPr>
         <p:spPr>
           <a:xfrm>
-            <a:off x="0" y="2743200"/>
-            <a:ext cx="1424846" cy="215444"/>
+            <a:off x="-367044" y="2795467"/>
+            <a:ext cx="1791890" cy="430887"/>
           </a:xfrm>
           <a:prstGeom prst="rect">
             <a:avLst/>
@@ -4077,7 +4073,7 @@
                   <a:srgbClr val="0070C0"/>
                 </a:solidFill>
               </a:rPr>
-              <a:t>execute(“delete 1”)</a:t>
+              <a:t>execute(“register id/azhikai pw/1122qq”)</a:t>
             </a:r>
           </a:p>
         </p:txBody>
@@ -4126,7 +4122,7 @@
         </p:nvSpPr>
         <p:spPr>
           <a:xfrm>
-            <a:off x="4257582" y="4251556"/>
+            <a:off x="4026837" y="4257474"/>
             <a:ext cx="855809" cy="215444"/>
           </a:xfrm>
           <a:prstGeom prst="rect">
@@ -4381,8 +4377,8 @@
         </p:nvSpPr>
         <p:spPr>
           <a:xfrm>
-            <a:off x="6687452" y="4467000"/>
-            <a:ext cx="161322" cy="1019400"/>
+            <a:off x="6687452" y="4466999"/>
+            <a:ext cx="170548" cy="1152287"/>
           </a:xfrm>
           <a:prstGeom prst="rect">
             <a:avLst/>
@@ -4556,13 +4552,15 @@
       <p:cxnSp>
         <p:nvCxnSpPr>
           <p:cNvPr id="76" name="Straight Arrow Connector 75"/>
-          <p:cNvCxnSpPr/>
+          <p:cNvCxnSpPr>
+            <a:cxnSpLocks/>
+          </p:cNvCxnSpPr>
           <p:nvPr/>
         </p:nvCxnSpPr>
         <p:spPr>
-          <a:xfrm flipV="1">
-            <a:off x="6848774" y="4714650"/>
-            <a:ext cx="1838026" cy="9750"/>
+          <a:xfrm>
+            <a:off x="6866923" y="4714650"/>
+            <a:ext cx="1819877" cy="0"/>
           </a:xfrm>
           <a:prstGeom prst="straightConnector1">
             <a:avLst/>
@@ -4602,7 +4600,7 @@
         </p:nvCxnSpPr>
         <p:spPr>
           <a:xfrm>
-            <a:off x="1653251" y="5486400"/>
+            <a:off x="1653251" y="5562600"/>
             <a:ext cx="5052349" cy="0"/>
           </a:xfrm>
           <a:prstGeom prst="straightConnector1">
@@ -4671,7 +4669,7 @@
                   <a:srgbClr val="7030A0"/>
                 </a:solidFill>
               </a:rPr>
-              <a:t>deletePerson</a:t>
+              <a:t>addAccount</a:t>
             </a:r>
             <a:r>
               <a:rPr lang="en-US" dirty="0">
@@ -4679,7 +4677,7 @@
                   <a:srgbClr val="7030A0"/>
                 </a:solidFill>
               </a:rPr>
-              <a:t>(p)</a:t>
+              <a:t>(a))</a:t>
             </a:r>
           </a:p>
         </p:txBody>
@@ -4692,8 +4690,8 @@
         </p:nvSpPr>
         <p:spPr>
           <a:xfrm>
-            <a:off x="3847551" y="3657600"/>
-            <a:ext cx="767033" cy="184666"/>
+            <a:off x="3661292" y="3685918"/>
+            <a:ext cx="1215468" cy="369332"/>
           </a:xfrm>
           <a:prstGeom prst="rect">
             <a:avLst/>
@@ -4719,7 +4717,7 @@
           <a:p>
             <a:r>
               <a:rPr lang="en-US" sz="1200" dirty="0"/>
-              <a:t>parse(“1”)</a:t>
+              <a:t>parse(“id/azhikai pw/1122qq”)</a:t>
             </a:r>
           </a:p>
         </p:txBody>
@@ -4732,8 +4730,8 @@
         </p:nvSpPr>
         <p:spPr>
           <a:xfrm>
-            <a:off x="1742982" y="2850922"/>
-            <a:ext cx="1424846" cy="215444"/>
+            <a:off x="1617304" y="2655690"/>
+            <a:ext cx="1735496" cy="430887"/>
           </a:xfrm>
           <a:prstGeom prst="rect">
             <a:avLst/>
@@ -4759,7 +4757,7 @@
           <a:p>
             <a:r>
               <a:rPr lang="en-US" dirty="0"/>
-              <a:t>parse(“delete 1”)</a:t>
+              <a:t>parse(“register id/azhikai pw/1122qq”)</a:t>
             </a:r>
           </a:p>
         </p:txBody>
@@ -4772,7 +4770,7 @@
         </p:nvSpPr>
         <p:spPr>
           <a:xfrm>
-            <a:off x="4340137" y="5255323"/>
+            <a:off x="4340137" y="5331523"/>
             <a:ext cx="621216" cy="215444"/>
           </a:xfrm>
           <a:prstGeom prst="rect">
@@ -4852,7 +4850,7 @@
         </p:nvSpPr>
         <p:spPr>
           <a:xfrm>
-            <a:off x="7020246" y="4777286"/>
+            <a:off x="7020246" y="4853486"/>
             <a:ext cx="1590354" cy="461538"/>
           </a:xfrm>
           <a:prstGeom prst="rect">
@@ -4919,7 +4917,7 @@
         </p:nvSpPr>
         <p:spPr>
           <a:xfrm>
-            <a:off x="7777323" y="5238824"/>
+            <a:off x="7777323" y="5315024"/>
             <a:ext cx="152400" cy="171376"/>
           </a:xfrm>
           <a:prstGeom prst="rect">
@@ -4966,7 +4964,7 @@
         </p:nvCxnSpPr>
         <p:spPr>
           <a:xfrm>
-            <a:off x="6858000" y="5410200"/>
+            <a:off x="6858000" y="5486400"/>
             <a:ext cx="966624" cy="0"/>
           </a:xfrm>
           <a:prstGeom prst="straightConnector1">
@@ -5030,9 +5028,10 @@
           </a:lstStyle>
           <a:p>
             <a:r>
-              <a:rPr lang="en-US" dirty="0"/>
-              <a:t>d</a:t>
-            </a:r>
+              <a:rPr lang="en-US" dirty="0" err="1"/>
+              <a:t>rc</a:t>
+            </a:r>
+            <a:endParaRPr lang="en-US" dirty="0"/>
           </a:p>
         </p:txBody>
       </p:sp>
@@ -5045,7 +5044,7 @@
         <p:spPr>
           <a:xfrm>
             <a:off x="4231981" y="2929839"/>
-            <a:ext cx="1778201" cy="432035"/>
+            <a:ext cx="1882859" cy="432035"/>
           </a:xfrm>
           <a:prstGeom prst="rect">
             <a:avLst/>
@@ -5088,12 +5087,20 @@
               <a:t>:</a:t>
             </a:r>
             <a:r>
+              <a:rPr lang="en-US" dirty="0" err="1">
+                <a:solidFill>
+                  <a:schemeClr val="bg1"/>
+                </a:solidFill>
+              </a:rPr>
+              <a:t>Register</a:t>
+            </a:r>
+            <a:r>
               <a:rPr lang="en-US" sz="1600" dirty="0" err="1">
                 <a:solidFill>
                   <a:schemeClr val="bg1"/>
                 </a:solidFill>
               </a:rPr>
-              <a:t>DeleteCommand</a:t>
+              <a:t>Command</a:t>
             </a:r>
             <a:endParaRPr lang="en-US" sz="1600" dirty="0">
               <a:solidFill>
@@ -5332,7 +5339,7 @@
         </p:nvCxnSpPr>
         <p:spPr>
           <a:xfrm>
-            <a:off x="6858000" y="5029200"/>
+            <a:off x="6858000" y="5105400"/>
             <a:ext cx="162246" cy="0"/>
           </a:xfrm>
           <a:prstGeom prst="straightConnector1">
@@ -5440,7 +5447,7 @@
         </p:nvSpPr>
         <p:spPr>
           <a:xfrm>
-            <a:off x="5033665" y="4199590"/>
+            <a:off x="5037399" y="4243231"/>
             <a:ext cx="258404" cy="261610"/>
           </a:xfrm>
           <a:prstGeom prst="rect">
